--- a/Verteidigung/Vortrag-11-09-2019-Alexandra-Mayer.pptx
+++ b/Verteidigung/Vortrag-11-09-2019-Alexandra-Mayer.pptx
@@ -222,7 +222,7 @@
           <a:p>
             <a:fld id="{1786ABC9-9777-4314-927F-28C4629B6260}" type="datetimeFigureOut">
               <a:rPr lang="de-DE" smtClean="0"/>
-              <a:t>16.09.2019</a:t>
+              <a:t>19.09.2019</a:t>
             </a:fld>
             <a:endParaRPr lang="de-DE" dirty="0"/>
           </a:p>
@@ -1026,7 +1026,7 @@
           <a:p>
             <a:fld id="{F70B81F5-A492-4D26-971A-66C1933890E6}" type="datetime1">
               <a:rPr lang="de-DE" smtClean="0"/>
-              <a:t>18.09.2019</a:t>
+              <a:t>19.09.2019</a:t>
             </a:fld>
             <a:endParaRPr lang="de-DE" dirty="0"/>
           </a:p>
@@ -1196,7 +1196,7 @@
           <a:p>
             <a:fld id="{71F476B2-3D04-41AB-8E55-287E53257BFB}" type="datetime1">
               <a:rPr lang="de-DE" smtClean="0"/>
-              <a:t>18.09.2019</a:t>
+              <a:t>19.09.2019</a:t>
             </a:fld>
             <a:endParaRPr lang="de-DE" dirty="0"/>
           </a:p>
@@ -1376,7 +1376,7 @@
           <a:p>
             <a:fld id="{18568C5C-BA41-4090-8E75-EDCACD3CCCEF}" type="datetime1">
               <a:rPr lang="de-DE" smtClean="0"/>
-              <a:t>18.09.2019</a:t>
+              <a:t>19.09.2019</a:t>
             </a:fld>
             <a:endParaRPr lang="de-DE" dirty="0"/>
           </a:p>
@@ -1579,7 +1579,7 @@
           <a:p>
             <a:fld id="{9FB44744-D0AE-4599-A16C-E85E33991F7C}" type="datetime1">
               <a:rPr lang="de-DE" smtClean="0"/>
-              <a:t>18.09.2019</a:t>
+              <a:t>19.09.2019</a:t>
             </a:fld>
             <a:endParaRPr lang="de-DE" dirty="0"/>
           </a:p>
@@ -1749,7 +1749,7 @@
           <a:p>
             <a:fld id="{526CD25D-8221-4A9A-A946-77306156A0B4}" type="datetime1">
               <a:rPr lang="de-DE" smtClean="0"/>
-              <a:t>18.09.2019</a:t>
+              <a:t>19.09.2019</a:t>
             </a:fld>
             <a:endParaRPr lang="de-DE" dirty="0"/>
           </a:p>
@@ -2000,7 +2000,7 @@
           <a:p>
             <a:fld id="{81F67C4C-C930-4D68-BF95-8B2C0360E265}" type="datetime1">
               <a:rPr lang="de-DE" smtClean="0"/>
-              <a:t>18.09.2019</a:t>
+              <a:t>19.09.2019</a:t>
             </a:fld>
             <a:endParaRPr lang="de-DE" dirty="0"/>
           </a:p>
@@ -2232,7 +2232,7 @@
           <a:p>
             <a:fld id="{2B43DCE2-F726-4689-95EE-D172B7AEFB53}" type="datetime1">
               <a:rPr lang="de-DE" smtClean="0"/>
-              <a:t>18.09.2019</a:t>
+              <a:t>19.09.2019</a:t>
             </a:fld>
             <a:endParaRPr lang="de-DE" dirty="0"/>
           </a:p>
@@ -2579,7 +2579,7 @@
           <a:p>
             <a:fld id="{32CB4555-A0A1-4595-A17E-BAF9BF663841}" type="datetime1">
               <a:rPr lang="de-DE" smtClean="0"/>
-              <a:t>18.09.2019</a:t>
+              <a:t>19.09.2019</a:t>
             </a:fld>
             <a:endParaRPr lang="de-DE" dirty="0"/>
           </a:p>
@@ -2697,7 +2697,7 @@
           <a:p>
             <a:fld id="{7C69824F-3F3C-4DF9-81DF-68D94579261E}" type="datetime1">
               <a:rPr lang="de-DE" smtClean="0"/>
-              <a:t>18.09.2019</a:t>
+              <a:t>19.09.2019</a:t>
             </a:fld>
             <a:endParaRPr lang="de-DE" dirty="0"/>
           </a:p>
@@ -2815,7 +2815,7 @@
           <a:p>
             <a:fld id="{DB056723-99FB-43D5-86E8-9AAF934FF1FB}" type="datetime1">
               <a:rPr lang="de-DE" smtClean="0"/>
-              <a:t>18.09.2019</a:t>
+              <a:t>19.09.2019</a:t>
             </a:fld>
             <a:endParaRPr lang="de-DE" dirty="0"/>
           </a:p>
@@ -3099,7 +3099,7 @@
           <a:p>
             <a:fld id="{266B8DBB-168B-4E38-867A-21B698A7A139}" type="datetime1">
               <a:rPr lang="de-DE" smtClean="0"/>
-              <a:t>18.09.2019</a:t>
+              <a:t>19.09.2019</a:t>
             </a:fld>
             <a:endParaRPr lang="de-DE" dirty="0"/>
           </a:p>
@@ -3269,7 +3269,7 @@
           <a:p>
             <a:fld id="{179161DA-A283-4FDE-A591-4C5A5E57DBB2}" type="datetime1">
               <a:rPr lang="de-DE" smtClean="0"/>
-              <a:t>18.09.2019</a:t>
+              <a:t>19.09.2019</a:t>
             </a:fld>
             <a:endParaRPr lang="de-DE" dirty="0"/>
           </a:p>
@@ -3533,7 +3533,7 @@
           <a:p>
             <a:fld id="{D986B8C6-C06A-42C0-A3FA-B67D282C4A38}" type="datetime1">
               <a:rPr lang="de-DE" smtClean="0"/>
-              <a:t>18.09.2019</a:t>
+              <a:t>19.09.2019</a:t>
             </a:fld>
             <a:endParaRPr lang="de-DE" dirty="0"/>
           </a:p>
@@ -3703,7 +3703,7 @@
           <a:p>
             <a:fld id="{419072D0-AB45-4979-83D7-F735651CBFCD}" type="datetime1">
               <a:rPr lang="de-DE" smtClean="0"/>
-              <a:t>18.09.2019</a:t>
+              <a:t>19.09.2019</a:t>
             </a:fld>
             <a:endParaRPr lang="de-DE" dirty="0"/>
           </a:p>
@@ -3883,7 +3883,7 @@
           <a:p>
             <a:fld id="{E1935E8A-4EE1-4516-8F97-B1EB8E991168}" type="datetime1">
               <a:rPr lang="de-DE" smtClean="0"/>
-              <a:t>18.09.2019</a:t>
+              <a:t>19.09.2019</a:t>
             </a:fld>
             <a:endParaRPr lang="de-DE" dirty="0"/>
           </a:p>
@@ -4086,7 +4086,7 @@
           <a:p>
             <a:fld id="{08093594-43EE-4AC3-975A-8E87588D5828}" type="datetime1">
               <a:rPr lang="de-DE" smtClean="0"/>
-              <a:t>18.09.2019</a:t>
+              <a:t>19.09.2019</a:t>
             </a:fld>
             <a:endParaRPr lang="de-DE" dirty="0"/>
           </a:p>
@@ -4256,7 +4256,7 @@
           <a:p>
             <a:fld id="{74592D14-8289-4260-AA5E-4607EAAD6D8B}" type="datetime1">
               <a:rPr lang="de-DE" smtClean="0"/>
-              <a:t>18.09.2019</a:t>
+              <a:t>19.09.2019</a:t>
             </a:fld>
             <a:endParaRPr lang="de-DE" dirty="0"/>
           </a:p>
@@ -4507,7 +4507,7 @@
           <a:p>
             <a:fld id="{5C83ACE2-5CFA-4ABC-8C4C-B2C0185428A7}" type="datetime1">
               <a:rPr lang="de-DE" smtClean="0"/>
-              <a:t>18.09.2019</a:t>
+              <a:t>19.09.2019</a:t>
             </a:fld>
             <a:endParaRPr lang="de-DE" dirty="0"/>
           </a:p>
@@ -4739,7 +4739,7 @@
           <a:p>
             <a:fld id="{009A569F-8C49-427B-98BB-1B8C18341423}" type="datetime1">
               <a:rPr lang="de-DE" smtClean="0"/>
-              <a:t>18.09.2019</a:t>
+              <a:t>19.09.2019</a:t>
             </a:fld>
             <a:endParaRPr lang="de-DE" dirty="0"/>
           </a:p>
@@ -5086,7 +5086,7 @@
           <a:p>
             <a:fld id="{68730179-CB67-4062-ACFD-82852A3FC0A5}" type="datetime1">
               <a:rPr lang="de-DE" smtClean="0"/>
-              <a:t>18.09.2019</a:t>
+              <a:t>19.09.2019</a:t>
             </a:fld>
             <a:endParaRPr lang="de-DE" dirty="0"/>
           </a:p>
@@ -5204,7 +5204,7 @@
           <a:p>
             <a:fld id="{88C5D5C2-EEC9-4114-922A-98523B5AB56D}" type="datetime1">
               <a:rPr lang="de-DE" smtClean="0"/>
-              <a:t>18.09.2019</a:t>
+              <a:t>19.09.2019</a:t>
             </a:fld>
             <a:endParaRPr lang="de-DE" dirty="0"/>
           </a:p>
@@ -5322,7 +5322,7 @@
           <a:p>
             <a:fld id="{32ABAF98-B9EB-4435-8A9F-28DB93783180}" type="datetime1">
               <a:rPr lang="de-DE" smtClean="0"/>
-              <a:t>18.09.2019</a:t>
+              <a:t>19.09.2019</a:t>
             </a:fld>
             <a:endParaRPr lang="de-DE" dirty="0"/>
           </a:p>
@@ -5573,7 +5573,7 @@
           <a:p>
             <a:fld id="{C1DDD9E4-D684-422A-8BB7-24D17B43D735}" type="datetime1">
               <a:rPr lang="de-DE" smtClean="0"/>
-              <a:t>18.09.2019</a:t>
+              <a:t>19.09.2019</a:t>
             </a:fld>
             <a:endParaRPr lang="de-DE" dirty="0"/>
           </a:p>
@@ -5857,7 +5857,7 @@
           <a:p>
             <a:fld id="{E3C2AE0A-A9DF-46FD-9F9C-79BF633A03BC}" type="datetime1">
               <a:rPr lang="de-DE" smtClean="0"/>
-              <a:t>18.09.2019</a:t>
+              <a:t>19.09.2019</a:t>
             </a:fld>
             <a:endParaRPr lang="de-DE" dirty="0"/>
           </a:p>
@@ -6121,7 +6121,7 @@
           <a:p>
             <a:fld id="{FB6254E7-3649-4EA8-AD6C-CE4D8C74B912}" type="datetime1">
               <a:rPr lang="de-DE" smtClean="0"/>
-              <a:t>18.09.2019</a:t>
+              <a:t>19.09.2019</a:t>
             </a:fld>
             <a:endParaRPr lang="de-DE" dirty="0"/>
           </a:p>
@@ -6291,7 +6291,7 @@
           <a:p>
             <a:fld id="{FBEBD1FF-18F0-4C7E-9651-FF0D779665F6}" type="datetime1">
               <a:rPr lang="de-DE" smtClean="0"/>
-              <a:t>18.09.2019</a:t>
+              <a:t>19.09.2019</a:t>
             </a:fld>
             <a:endParaRPr lang="de-DE" dirty="0"/>
           </a:p>
@@ -6471,7 +6471,7 @@
           <a:p>
             <a:fld id="{20AEFEDA-2D7F-4737-AD51-F902DBCE0CEB}" type="datetime1">
               <a:rPr lang="de-DE" smtClean="0"/>
-              <a:t>18.09.2019</a:t>
+              <a:t>19.09.2019</a:t>
             </a:fld>
             <a:endParaRPr lang="de-DE" dirty="0"/>
           </a:p>
@@ -6758,7 +6758,7 @@
           <a:p>
             <a:fld id="{B8EDFBA8-3B43-4A04-8A10-9BF32F9CCCF8}" type="datetime1">
               <a:rPr lang="de-DE" smtClean="0"/>
-              <a:t>18.09.2019</a:t>
+              <a:t>19.09.2019</a:t>
             </a:fld>
             <a:endParaRPr lang="de-DE" dirty="0"/>
           </a:p>
@@ -6966,7 +6966,7 @@
           <a:p>
             <a:fld id="{013EA654-81E1-4A8C-A663-7AB890F1E656}" type="datetime1">
               <a:rPr lang="de-DE" smtClean="0"/>
-              <a:t>18.09.2019</a:t>
+              <a:t>19.09.2019</a:t>
             </a:fld>
             <a:endParaRPr lang="de-DE" dirty="0"/>
           </a:p>
@@ -7314,7 +7314,7 @@
           <a:p>
             <a:fld id="{17ED6E20-71AD-4812-A434-10D5697D4F41}" type="datetime1">
               <a:rPr lang="de-DE" smtClean="0"/>
-              <a:t>18.09.2019</a:t>
+              <a:t>19.09.2019</a:t>
             </a:fld>
             <a:endParaRPr lang="de-DE" dirty="0"/>
           </a:p>
@@ -7589,7 +7589,7 @@
           <a:p>
             <a:fld id="{73503DF3-18B4-4C50-96EA-11CC2DD7D81B}" type="datetime1">
               <a:rPr lang="de-DE" smtClean="0"/>
-              <a:t>18.09.2019</a:t>
+              <a:t>19.09.2019</a:t>
             </a:fld>
             <a:endParaRPr lang="de-DE" dirty="0"/>
           </a:p>
@@ -7973,7 +7973,7 @@
           <a:p>
             <a:fld id="{E790B8EE-C686-4445-8B4E-751E284E374E}" type="datetime1">
               <a:rPr lang="de-DE" smtClean="0"/>
-              <a:t>18.09.2019</a:t>
+              <a:t>19.09.2019</a:t>
             </a:fld>
             <a:endParaRPr lang="de-DE" dirty="0"/>
           </a:p>
@@ -8091,7 +8091,7 @@
           <a:p>
             <a:fld id="{3AD34105-8825-4B51-8142-CB8AF954BFA5}" type="datetime1">
               <a:rPr lang="de-DE" smtClean="0"/>
-              <a:t>18.09.2019</a:t>
+              <a:t>19.09.2019</a:t>
             </a:fld>
             <a:endParaRPr lang="de-DE" dirty="0"/>
           </a:p>
@@ -8323,7 +8323,7 @@
           <a:p>
             <a:fld id="{065F98ED-4EAB-4011-99B4-2C0800ACF2F1}" type="datetime1">
               <a:rPr lang="de-DE" smtClean="0"/>
-              <a:t>18.09.2019</a:t>
+              <a:t>19.09.2019</a:t>
             </a:fld>
             <a:endParaRPr lang="de-DE" dirty="0"/>
           </a:p>
@@ -8494,7 +8494,7 @@
           <a:p>
             <a:fld id="{6DC61CD1-88B1-4019-A631-53FF05C944F4}" type="datetime1">
               <a:rPr lang="de-DE" smtClean="0"/>
-              <a:t>18.09.2019</a:t>
+              <a:t>19.09.2019</a:t>
             </a:fld>
             <a:endParaRPr lang="de-DE" dirty="0"/>
           </a:p>
@@ -8848,7 +8848,7 @@
           <a:p>
             <a:fld id="{7895D6F3-6063-4042-B000-66CD14BC61E7}" type="datetime1">
               <a:rPr lang="de-DE" smtClean="0"/>
-              <a:t>18.09.2019</a:t>
+              <a:t>19.09.2019</a:t>
             </a:fld>
             <a:endParaRPr lang="de-DE" dirty="0"/>
           </a:p>
@@ -9225,7 +9225,7 @@
           <a:p>
             <a:fld id="{6D37CBB4-6C4E-4706-AF9E-B2763EECF959}" type="datetime1">
               <a:rPr lang="de-DE" smtClean="0"/>
-              <a:t>18.09.2019</a:t>
+              <a:t>19.09.2019</a:t>
             </a:fld>
             <a:endParaRPr lang="de-DE" dirty="0"/>
           </a:p>
@@ -9395,7 +9395,7 @@
           <a:p>
             <a:fld id="{913C3736-5A55-412F-B8A5-72B6257730B8}" type="datetime1">
               <a:rPr lang="de-DE" smtClean="0"/>
-              <a:t>18.09.2019</a:t>
+              <a:t>19.09.2019</a:t>
             </a:fld>
             <a:endParaRPr lang="de-DE" dirty="0"/>
           </a:p>
@@ -9651,7 +9651,7 @@
           <a:p>
             <a:fld id="{A74FB852-6C3A-4581-9258-FF01ECC7FEED}" type="datetime1">
               <a:rPr lang="de-DE" smtClean="0"/>
-              <a:t>18.09.2019</a:t>
+              <a:t>19.09.2019</a:t>
             </a:fld>
             <a:endParaRPr lang="de-DE" dirty="0"/>
           </a:p>
@@ -9780,7 +9780,7 @@
           <a:p>
             <a:fld id="{F2781D67-3370-41BC-8D86-935920D1AC5B}" type="datetime1">
               <a:rPr lang="de-DE" smtClean="0"/>
-              <a:t>18.09.2019</a:t>
+              <a:t>19.09.2019</a:t>
             </a:fld>
             <a:endParaRPr lang="de-DE" dirty="0"/>
           </a:p>
@@ -10186,7 +10186,7 @@
           <a:p>
             <a:fld id="{31F99451-802A-4177-8A5B-A18BAAAD55D7}" type="datetimeFigureOut">
               <a:rPr lang="de-DE" smtClean="0"/>
-              <a:t>18.09.2019</a:t>
+              <a:t>19.09.2019</a:t>
             </a:fld>
             <a:endParaRPr lang="de-DE" dirty="0"/>
           </a:p>
@@ -10384,7 +10384,7 @@
           <a:p>
             <a:fld id="{31F99451-802A-4177-8A5B-A18BAAAD55D7}" type="datetimeFigureOut">
               <a:rPr lang="de-DE" smtClean="0"/>
-              <a:t>18.09.2019</a:t>
+              <a:t>19.09.2019</a:t>
             </a:fld>
             <a:endParaRPr lang="de-DE" dirty="0"/>
           </a:p>
@@ -10659,7 +10659,7 @@
           <a:p>
             <a:fld id="{31F99451-802A-4177-8A5B-A18BAAAD55D7}" type="datetimeFigureOut">
               <a:rPr lang="de-DE" smtClean="0"/>
-              <a:t>18.09.2019</a:t>
+              <a:t>19.09.2019</a:t>
             </a:fld>
             <a:endParaRPr lang="de-DE" dirty="0"/>
           </a:p>
@@ -10924,7 +10924,7 @@
           <a:p>
             <a:fld id="{31F99451-802A-4177-8A5B-A18BAAAD55D7}" type="datetimeFigureOut">
               <a:rPr lang="de-DE" smtClean="0"/>
-              <a:t>18.09.2019</a:t>
+              <a:t>19.09.2019</a:t>
             </a:fld>
             <a:endParaRPr lang="de-DE" dirty="0"/>
           </a:p>
@@ -11283,7 +11283,7 @@
           <a:p>
             <a:fld id="{4A049ABF-F7D1-426E-A0A8-9BAC00BCBCAE}" type="datetime1">
               <a:rPr lang="de-DE" smtClean="0"/>
-              <a:t>18.09.2019</a:t>
+              <a:t>19.09.2019</a:t>
             </a:fld>
             <a:endParaRPr lang="de-DE" dirty="0"/>
           </a:p>
@@ -11706,7 +11706,7 @@
           <a:p>
             <a:fld id="{31F99451-802A-4177-8A5B-A18BAAAD55D7}" type="datetimeFigureOut">
               <a:rPr lang="de-DE" smtClean="0"/>
-              <a:t>18.09.2019</a:t>
+              <a:t>19.09.2019</a:t>
             </a:fld>
             <a:endParaRPr lang="de-DE" dirty="0"/>
           </a:p>
@@ -11847,7 +11847,7 @@
           <a:p>
             <a:fld id="{31F99451-802A-4177-8A5B-A18BAAAD55D7}" type="datetimeFigureOut">
               <a:rPr lang="de-DE" smtClean="0"/>
-              <a:t>18.09.2019</a:t>
+              <a:t>19.09.2019</a:t>
             </a:fld>
             <a:endParaRPr lang="de-DE" dirty="0"/>
           </a:p>
@@ -11960,7 +11960,7 @@
           <a:p>
             <a:fld id="{31F99451-802A-4177-8A5B-A18BAAAD55D7}" type="datetimeFigureOut">
               <a:rPr lang="de-DE" smtClean="0"/>
-              <a:t>18.09.2019</a:t>
+              <a:t>19.09.2019</a:t>
             </a:fld>
             <a:endParaRPr lang="de-DE" dirty="0"/>
           </a:p>
@@ -12271,7 +12271,7 @@
           <a:p>
             <a:fld id="{31F99451-802A-4177-8A5B-A18BAAAD55D7}" type="datetimeFigureOut">
               <a:rPr lang="de-DE" smtClean="0"/>
-              <a:t>18.09.2019</a:t>
+              <a:t>19.09.2019</a:t>
             </a:fld>
             <a:endParaRPr lang="de-DE" dirty="0"/>
           </a:p>
@@ -12559,7 +12559,7 @@
           <a:p>
             <a:fld id="{31F99451-802A-4177-8A5B-A18BAAAD55D7}" type="datetimeFigureOut">
               <a:rPr lang="de-DE" smtClean="0"/>
-              <a:t>18.09.2019</a:t>
+              <a:t>19.09.2019</a:t>
             </a:fld>
             <a:endParaRPr lang="de-DE" dirty="0"/>
           </a:p>
@@ -12757,7 +12757,7 @@
           <a:p>
             <a:fld id="{31F99451-802A-4177-8A5B-A18BAAAD55D7}" type="datetimeFigureOut">
               <a:rPr lang="de-DE" smtClean="0"/>
-              <a:t>18.09.2019</a:t>
+              <a:t>19.09.2019</a:t>
             </a:fld>
             <a:endParaRPr lang="de-DE" dirty="0"/>
           </a:p>
@@ -12965,7 +12965,7 @@
           <a:p>
             <a:fld id="{31F99451-802A-4177-8A5B-A18BAAAD55D7}" type="datetimeFigureOut">
               <a:rPr lang="de-DE" smtClean="0"/>
-              <a:t>18.09.2019</a:t>
+              <a:t>19.09.2019</a:t>
             </a:fld>
             <a:endParaRPr lang="de-DE" dirty="0"/>
           </a:p>
@@ -13072,7 +13072,7 @@
           <a:p>
             <a:fld id="{CA54CED5-5B62-4A11-AAE7-2A08A047B3FC}" type="datetime1">
               <a:rPr lang="de-DE" smtClean="0"/>
-              <a:t>18.09.2019</a:t>
+              <a:t>19.09.2019</a:t>
             </a:fld>
             <a:endParaRPr lang="de-DE" dirty="0"/>
           </a:p>
@@ -13190,7 +13190,7 @@
           <a:p>
             <a:fld id="{18636A33-F0A6-412C-9FD3-9C6716294EC1}" type="datetime1">
               <a:rPr lang="de-DE" smtClean="0"/>
-              <a:t>18.09.2019</a:t>
+              <a:t>19.09.2019</a:t>
             </a:fld>
             <a:endParaRPr lang="de-DE" dirty="0"/>
           </a:p>
@@ -13474,7 +13474,7 @@
           <a:p>
             <a:fld id="{650C02CD-8BB4-4437-B8EB-E115499D827A}" type="datetime1">
               <a:rPr lang="de-DE" smtClean="0"/>
-              <a:t>18.09.2019</a:t>
+              <a:t>19.09.2019</a:t>
             </a:fld>
             <a:endParaRPr lang="de-DE" dirty="0"/>
           </a:p>
@@ -13738,7 +13738,7 @@
           <a:p>
             <a:fld id="{E90B8FDA-C05B-4FCE-823A-0777744FAE8F}" type="datetime1">
               <a:rPr lang="de-DE" smtClean="0"/>
-              <a:t>18.09.2019</a:t>
+              <a:t>19.09.2019</a:t>
             </a:fld>
             <a:endParaRPr lang="de-DE" dirty="0"/>
           </a:p>
@@ -13952,7 +13952,7 @@
           <a:p>
             <a:fld id="{7CB42FB1-028C-46E2-89FA-3B415350343B}" type="datetime1">
               <a:rPr lang="de-DE" smtClean="0"/>
-              <a:t>18.09.2019</a:t>
+              <a:t>19.09.2019</a:t>
             </a:fld>
             <a:endParaRPr lang="de-DE" dirty="0"/>
           </a:p>
@@ -14483,7 +14483,7 @@
           <a:p>
             <a:fld id="{1FA56F2E-23FD-4A8F-B947-F6D53BFF00DD}" type="datetime1">
               <a:rPr lang="de-DE" smtClean="0"/>
-              <a:t>18.09.2019</a:t>
+              <a:t>19.09.2019</a:t>
             </a:fld>
             <a:endParaRPr lang="de-DE" dirty="0"/>
           </a:p>
@@ -15014,7 +15014,7 @@
           <a:p>
             <a:fld id="{DDE1A45C-EC41-4216-8842-F20D5B96604A}" type="datetime1">
               <a:rPr lang="de-DE" smtClean="0"/>
-              <a:t>18.09.2019</a:t>
+              <a:t>19.09.2019</a:t>
             </a:fld>
             <a:endParaRPr lang="de-DE" dirty="0"/>
           </a:p>
@@ -15618,7 +15618,7 @@
           <a:p>
             <a:fld id="{F2781D67-3370-41BC-8D86-935920D1AC5B}" type="datetime1">
               <a:rPr lang="de-DE" smtClean="0"/>
-              <a:t>18.09.2019</a:t>
+              <a:t>19.09.2019</a:t>
             </a:fld>
             <a:endParaRPr lang="de-DE" dirty="0"/>
           </a:p>
@@ -16295,7 +16295,7 @@
           <a:p>
             <a:fld id="{31F99451-802A-4177-8A5B-A18BAAAD55D7}" type="datetimeFigureOut">
               <a:rPr lang="de-DE" smtClean="0"/>
-              <a:t>18.09.2019</a:t>
+              <a:t>19.09.2019</a:t>
             </a:fld>
             <a:endParaRPr lang="de-DE" dirty="0"/>
           </a:p>
@@ -17002,8 +17002,8 @@
           </a:p>
         </p:txBody>
       </p:sp>
-      <mc:AlternateContent xmlns:mc="http://schemas.openxmlformats.org/markup-compatibility/2006">
-        <mc:Choice xmlns:a14="http://schemas.microsoft.com/office/drawing/2010/main" Requires="a14">
+      <mc:AlternateContent xmlns:mc="http://schemas.openxmlformats.org/markup-compatibility/2006" xmlns:a14="http://schemas.microsoft.com/office/drawing/2010/main">
+        <mc:Choice Requires="a14">
           <p:sp>
             <p:nvSpPr>
               <p:cNvPr id="6" name="Inhaltsplatzhalter 5">
@@ -17124,7 +17124,7 @@
             </p:txBody>
           </p:sp>
         </mc:Choice>
-        <mc:Fallback>
+        <mc:Fallback xmlns="">
           <p:sp>
             <p:nvSpPr>
               <p:cNvPr id="6" name="Inhaltsplatzhalter 5">
@@ -22542,8 +22542,8 @@
           </a:p>
         </p:txBody>
       </p:sp>
-      <mc:AlternateContent xmlns:mc="http://schemas.openxmlformats.org/markup-compatibility/2006">
-        <mc:Choice xmlns:a14="http://schemas.microsoft.com/office/drawing/2010/main" Requires="a14">
+      <mc:AlternateContent xmlns:mc="http://schemas.openxmlformats.org/markup-compatibility/2006" xmlns:a14="http://schemas.microsoft.com/office/drawing/2010/main">
+        <mc:Choice Requires="a14">
           <p:sp>
             <p:nvSpPr>
               <p:cNvPr id="3" name="Inhaltsplatzhalter 2">
@@ -22633,7 +22633,7 @@
             </p:txBody>
           </p:sp>
         </mc:Choice>
-        <mc:Fallback>
+        <mc:Fallback xmlns="">
           <p:sp>
             <p:nvSpPr>
               <p:cNvPr id="3" name="Inhaltsplatzhalter 2">
